--- a/프로그래밍 기획(서버).pptx
+++ b/프로그래밍 기획(서버).pptx
@@ -15,6 +15,8 @@
     <p:sldId id="264" r:id="rId9"/>
     <p:sldId id="265" r:id="rId10"/>
     <p:sldId id="266" r:id="rId11"/>
+    <p:sldId id="267" r:id="rId12"/>
+    <p:sldId id="268" r:id="rId13"/>
   </p:sldIdLst>
   <p:sldSz cx="9144000" cy="6858000" type="screen4x3"/>
   <p:notesSz cx="6858000" cy="9144000"/>
@@ -3703,11 +3705,7 @@
             </a:r>
             <a:r>
               <a:rPr lang="ko-KR" altLang="en-US" sz="2400" dirty="0" smtClean="0"/>
-              <a:t> 나가기 </a:t>
-            </a:r>
-            <a:r>
-              <a:rPr lang="ko-KR" altLang="en-US" sz="2400" dirty="0" smtClean="0"/>
-              <a:t>버튼을 누르면 메인 로비로 나가진다</a:t>
+              <a:t> 나가기 버튼을 누르면 메인 로비로 나가진다</a:t>
             </a:r>
             <a:r>
               <a:rPr lang="en-US" altLang="ko-KR" sz="2400" dirty="0" smtClean="0"/>
@@ -3721,6 +3719,1302 @@
     <p:extLst>
       <p:ext uri="{BB962C8B-B14F-4D97-AF65-F5344CB8AC3E}">
         <p14:creationId xmlns:p14="http://schemas.microsoft.com/office/powerpoint/2010/main" val="2080639125"/>
+      </p:ext>
+    </p:extLst>
+  </p:cSld>
+  <p:clrMapOvr>
+    <a:masterClrMapping/>
+  </p:clrMapOvr>
+  <p:timing>
+    <p:tnLst>
+      <p:par>
+        <p:cTn id="1" dur="indefinite" restart="never" nodeType="tmRoot"/>
+      </p:par>
+    </p:tnLst>
+  </p:timing>
+</p:sld>
+</file>
+
+<file path=ppt/slides/slide11.xml><?xml version="1.0" encoding="utf-8"?>
+<p:sld xmlns:a="http://schemas.openxmlformats.org/drawingml/2006/main" xmlns:r="http://schemas.openxmlformats.org/officeDocument/2006/relationships" xmlns:p="http://schemas.openxmlformats.org/presentationml/2006/main">
+  <p:cSld>
+    <p:spTree>
+      <p:nvGrpSpPr>
+        <p:cNvPr id="1" name=""/>
+        <p:cNvGrpSpPr/>
+        <p:nvPr/>
+      </p:nvGrpSpPr>
+      <p:grpSpPr>
+        <a:xfrm>
+          <a:off x="0" y="0"/>
+          <a:ext cx="0" cy="0"/>
+          <a:chOff x="0" y="0"/>
+          <a:chExt cx="0" cy="0"/>
+        </a:xfrm>
+      </p:grpSpPr>
+      <p:sp>
+        <p:nvSpPr>
+          <p:cNvPr id="2" name="제목 1"/>
+          <p:cNvSpPr>
+            <a:spLocks noGrp="1"/>
+          </p:cNvSpPr>
+          <p:nvPr>
+            <p:ph type="title"/>
+          </p:nvPr>
+        </p:nvSpPr>
+        <p:spPr>
+          <a:xfrm>
+            <a:off x="446856" y="274638"/>
+            <a:ext cx="8229600" cy="778098"/>
+          </a:xfrm>
+        </p:spPr>
+        <p:txBody>
+          <a:bodyPr/>
+          <a:lstStyle/>
+          <a:p>
+            <a:r>
+              <a:rPr lang="ko-KR" altLang="en-US" smtClean="0"/>
+              <a:t>방의 이미지</a:t>
+            </a:r>
+            <a:endParaRPr lang="ko-KR" altLang="en-US"/>
+          </a:p>
+        </p:txBody>
+      </p:sp>
+      <p:sp>
+        <p:nvSpPr>
+          <p:cNvPr id="4" name="직사각형 3"/>
+          <p:cNvSpPr/>
+          <p:nvPr/>
+        </p:nvSpPr>
+        <p:spPr>
+          <a:xfrm>
+            <a:off x="323528" y="1052736"/>
+            <a:ext cx="4464496" cy="4032448"/>
+          </a:xfrm>
+          <a:prstGeom prst="rect">
+            <a:avLst/>
+          </a:prstGeom>
+          <a:noFill/>
+        </p:spPr>
+        <p:style>
+          <a:lnRef idx="2">
+            <a:schemeClr val="accent1">
+              <a:shade val="50000"/>
+            </a:schemeClr>
+          </a:lnRef>
+          <a:fillRef idx="1">
+            <a:schemeClr val="accent1"/>
+          </a:fillRef>
+          <a:effectRef idx="0">
+            <a:schemeClr val="accent1"/>
+          </a:effectRef>
+          <a:fontRef idx="minor">
+            <a:schemeClr val="lt1"/>
+          </a:fontRef>
+        </p:style>
+        <p:txBody>
+          <a:bodyPr rtlCol="0" anchor="ctr"/>
+          <a:lstStyle/>
+          <a:p>
+            <a:pPr algn="ctr"/>
+            <a:endParaRPr lang="ko-KR" altLang="en-US"/>
+          </a:p>
+        </p:txBody>
+      </p:sp>
+      <p:sp>
+        <p:nvSpPr>
+          <p:cNvPr id="5" name="직사각형 4"/>
+          <p:cNvSpPr/>
+          <p:nvPr/>
+        </p:nvSpPr>
+        <p:spPr>
+          <a:xfrm>
+            <a:off x="251520" y="476672"/>
+            <a:ext cx="8712968" cy="424468"/>
+          </a:xfrm>
+          <a:prstGeom prst="rect">
+            <a:avLst/>
+          </a:prstGeom>
+        </p:spPr>
+        <p:style>
+          <a:lnRef idx="2">
+            <a:schemeClr val="accent1">
+              <a:shade val="50000"/>
+            </a:schemeClr>
+          </a:lnRef>
+          <a:fillRef idx="1">
+            <a:schemeClr val="accent1"/>
+          </a:fillRef>
+          <a:effectRef idx="0">
+            <a:schemeClr val="accent1"/>
+          </a:effectRef>
+          <a:fontRef idx="minor">
+            <a:schemeClr val="lt1"/>
+          </a:fontRef>
+        </p:style>
+        <p:txBody>
+          <a:bodyPr rtlCol="0" anchor="ctr"/>
+          <a:lstStyle/>
+          <a:p>
+            <a:pPr algn="ctr"/>
+            <a:r>
+              <a:rPr lang="ko-KR" altLang="en-US" dirty="0" smtClean="0"/>
+              <a:t>방 제목</a:t>
+            </a:r>
+            <a:endParaRPr lang="ko-KR" altLang="en-US" dirty="0"/>
+          </a:p>
+        </p:txBody>
+      </p:sp>
+      <p:sp>
+        <p:nvSpPr>
+          <p:cNvPr id="6" name="직사각형 5"/>
+          <p:cNvSpPr/>
+          <p:nvPr/>
+        </p:nvSpPr>
+        <p:spPr>
+          <a:xfrm>
+            <a:off x="329986" y="1043268"/>
+            <a:ext cx="4443392" cy="441516"/>
+          </a:xfrm>
+          <a:prstGeom prst="rect">
+            <a:avLst/>
+          </a:prstGeom>
+        </p:spPr>
+        <p:style>
+          <a:lnRef idx="2">
+            <a:schemeClr val="accent1">
+              <a:shade val="50000"/>
+            </a:schemeClr>
+          </a:lnRef>
+          <a:fillRef idx="1">
+            <a:schemeClr val="accent1"/>
+          </a:fillRef>
+          <a:effectRef idx="0">
+            <a:schemeClr val="accent1"/>
+          </a:effectRef>
+          <a:fontRef idx="minor">
+            <a:schemeClr val="lt1"/>
+          </a:fontRef>
+        </p:style>
+        <p:txBody>
+          <a:bodyPr rtlCol="0" anchor="ctr"/>
+          <a:lstStyle/>
+          <a:p>
+            <a:pPr algn="ctr"/>
+            <a:r>
+              <a:rPr lang="ko-KR" altLang="en-US" dirty="0" err="1" smtClean="0"/>
+              <a:t>레이드</a:t>
+            </a:r>
+            <a:r>
+              <a:rPr lang="ko-KR" altLang="en-US" dirty="0" smtClean="0"/>
+              <a:t> 파티</a:t>
+            </a:r>
+            <a:endParaRPr lang="ko-KR" altLang="en-US" dirty="0"/>
+          </a:p>
+        </p:txBody>
+      </p:sp>
+      <p:sp>
+        <p:nvSpPr>
+          <p:cNvPr id="8" name="직사각형 7"/>
+          <p:cNvSpPr/>
+          <p:nvPr/>
+        </p:nvSpPr>
+        <p:spPr>
+          <a:xfrm>
+            <a:off x="329986" y="1700808"/>
+            <a:ext cx="2239215" cy="477527"/>
+          </a:xfrm>
+          <a:prstGeom prst="rect">
+            <a:avLst/>
+          </a:prstGeom>
+        </p:spPr>
+        <p:style>
+          <a:lnRef idx="2">
+            <a:schemeClr val="accent1">
+              <a:shade val="50000"/>
+            </a:schemeClr>
+          </a:lnRef>
+          <a:fillRef idx="1">
+            <a:schemeClr val="accent1"/>
+          </a:fillRef>
+          <a:effectRef idx="0">
+            <a:schemeClr val="accent1"/>
+          </a:effectRef>
+          <a:fontRef idx="minor">
+            <a:schemeClr val="lt1"/>
+          </a:fontRef>
+        </p:style>
+        <p:txBody>
+          <a:bodyPr rtlCol="0" anchor="ctr"/>
+          <a:lstStyle/>
+          <a:p>
+            <a:pPr algn="ctr"/>
+            <a:r>
+              <a:rPr lang="ko-KR" altLang="en-US" sz="1500" dirty="0" smtClean="0"/>
+              <a:t>이름</a:t>
+            </a:r>
+            <a:r>
+              <a:rPr lang="en-US" altLang="ko-KR" sz="1500" dirty="0" smtClean="0"/>
+              <a:t>(</a:t>
+            </a:r>
+            <a:r>
+              <a:rPr lang="ko-KR" altLang="en-US" sz="1500" dirty="0" err="1" smtClean="0"/>
+              <a:t>클릭시</a:t>
+            </a:r>
+            <a:r>
+              <a:rPr lang="ko-KR" altLang="en-US" sz="1500" dirty="0" smtClean="0"/>
+              <a:t> 정보보기</a:t>
+            </a:r>
+            <a:r>
+              <a:rPr lang="en-US" altLang="ko-KR" dirty="0" smtClean="0"/>
+              <a:t>)</a:t>
+            </a:r>
+            <a:endParaRPr lang="ko-KR" altLang="en-US" dirty="0"/>
+          </a:p>
+        </p:txBody>
+      </p:sp>
+      <p:sp>
+        <p:nvSpPr>
+          <p:cNvPr id="9" name="직사각형 8"/>
+          <p:cNvSpPr/>
+          <p:nvPr/>
+        </p:nvSpPr>
+        <p:spPr>
+          <a:xfrm>
+            <a:off x="2607036" y="1700808"/>
+            <a:ext cx="2166342" cy="477527"/>
+          </a:xfrm>
+          <a:prstGeom prst="rect">
+            <a:avLst/>
+          </a:prstGeom>
+        </p:spPr>
+        <p:style>
+          <a:lnRef idx="2">
+            <a:schemeClr val="accent1">
+              <a:shade val="50000"/>
+            </a:schemeClr>
+          </a:lnRef>
+          <a:fillRef idx="1">
+            <a:schemeClr val="accent1"/>
+          </a:fillRef>
+          <a:effectRef idx="0">
+            <a:schemeClr val="accent1"/>
+          </a:effectRef>
+          <a:fontRef idx="minor">
+            <a:schemeClr val="lt1"/>
+          </a:fontRef>
+        </p:style>
+        <p:txBody>
+          <a:bodyPr rtlCol="0" anchor="ctr"/>
+          <a:lstStyle/>
+          <a:p>
+            <a:pPr algn="ctr"/>
+            <a:r>
+              <a:rPr lang="ko-KR" altLang="en-US" dirty="0" err="1" smtClean="0"/>
+              <a:t>렙</a:t>
+            </a:r>
+            <a:r>
+              <a:rPr lang="en-US" altLang="ko-KR" dirty="0" smtClean="0"/>
+              <a:t>/</a:t>
+            </a:r>
+            <a:r>
+              <a:rPr lang="ko-KR" altLang="en-US" dirty="0" err="1" smtClean="0"/>
+              <a:t>케릭</a:t>
+            </a:r>
+            <a:endParaRPr lang="ko-KR" altLang="en-US" dirty="0"/>
+          </a:p>
+        </p:txBody>
+      </p:sp>
+      <p:sp>
+        <p:nvSpPr>
+          <p:cNvPr id="10" name="직사각형 9"/>
+          <p:cNvSpPr/>
+          <p:nvPr/>
+        </p:nvSpPr>
+        <p:spPr>
+          <a:xfrm>
+            <a:off x="323528" y="5236780"/>
+            <a:ext cx="6840760" cy="1432580"/>
+          </a:xfrm>
+          <a:prstGeom prst="rect">
+            <a:avLst/>
+          </a:prstGeom>
+        </p:spPr>
+        <p:style>
+          <a:lnRef idx="2">
+            <a:schemeClr val="accent1">
+              <a:shade val="50000"/>
+            </a:schemeClr>
+          </a:lnRef>
+          <a:fillRef idx="1">
+            <a:schemeClr val="accent1"/>
+          </a:fillRef>
+          <a:effectRef idx="0">
+            <a:schemeClr val="accent1"/>
+          </a:effectRef>
+          <a:fontRef idx="minor">
+            <a:schemeClr val="lt1"/>
+          </a:fontRef>
+        </p:style>
+        <p:txBody>
+          <a:bodyPr rtlCol="0" anchor="ctr"/>
+          <a:lstStyle/>
+          <a:p>
+            <a:pPr algn="ctr"/>
+            <a:r>
+              <a:rPr lang="ko-KR" altLang="en-US" dirty="0" err="1" smtClean="0"/>
+              <a:t>채팅창</a:t>
+            </a:r>
+            <a:endParaRPr lang="ko-KR" altLang="en-US" dirty="0"/>
+          </a:p>
+        </p:txBody>
+      </p:sp>
+      <p:sp>
+        <p:nvSpPr>
+          <p:cNvPr id="11" name="직사각형 10"/>
+          <p:cNvSpPr/>
+          <p:nvPr/>
+        </p:nvSpPr>
+        <p:spPr>
+          <a:xfrm>
+            <a:off x="107504" y="476672"/>
+            <a:ext cx="8928992" cy="6264696"/>
+          </a:xfrm>
+          <a:prstGeom prst="rect">
+            <a:avLst/>
+          </a:prstGeom>
+          <a:noFill/>
+        </p:spPr>
+        <p:style>
+          <a:lnRef idx="2">
+            <a:schemeClr val="accent1">
+              <a:shade val="50000"/>
+            </a:schemeClr>
+          </a:lnRef>
+          <a:fillRef idx="1">
+            <a:schemeClr val="accent1"/>
+          </a:fillRef>
+          <a:effectRef idx="0">
+            <a:schemeClr val="accent1"/>
+          </a:effectRef>
+          <a:fontRef idx="minor">
+            <a:schemeClr val="lt1"/>
+          </a:fontRef>
+        </p:style>
+        <p:txBody>
+          <a:bodyPr rtlCol="0" anchor="ctr"/>
+          <a:lstStyle/>
+          <a:p>
+            <a:pPr algn="ctr"/>
+            <a:endParaRPr lang="ko-KR" altLang="en-US"/>
+          </a:p>
+        </p:txBody>
+      </p:sp>
+      <p:cxnSp>
+        <p:nvCxnSpPr>
+          <p:cNvPr id="14" name="직선 연결선 13"/>
+          <p:cNvCxnSpPr>
+            <a:stCxn id="4" idx="1"/>
+            <a:endCxn id="4" idx="3"/>
+          </p:cNvCxnSpPr>
+          <p:nvPr/>
+        </p:nvCxnSpPr>
+        <p:spPr>
+          <a:xfrm>
+            <a:off x="323528" y="3068960"/>
+            <a:ext cx="4464496" cy="0"/>
+          </a:xfrm>
+          <a:prstGeom prst="line">
+            <a:avLst/>
+          </a:prstGeom>
+          <a:ln w="57150"/>
+        </p:spPr>
+        <p:style>
+          <a:lnRef idx="1">
+            <a:schemeClr val="accent1"/>
+          </a:lnRef>
+          <a:fillRef idx="0">
+            <a:schemeClr val="accent1"/>
+          </a:fillRef>
+          <a:effectRef idx="0">
+            <a:schemeClr val="accent1"/>
+          </a:effectRef>
+          <a:fontRef idx="minor">
+            <a:schemeClr val="tx1"/>
+          </a:fontRef>
+        </p:style>
+      </p:cxnSp>
+      <p:sp>
+        <p:nvSpPr>
+          <p:cNvPr id="15" name="직사각형 14"/>
+          <p:cNvSpPr/>
+          <p:nvPr/>
+        </p:nvSpPr>
+        <p:spPr>
+          <a:xfrm>
+            <a:off x="329987" y="2375409"/>
+            <a:ext cx="2246538" cy="477527"/>
+          </a:xfrm>
+          <a:prstGeom prst="rect">
+            <a:avLst/>
+          </a:prstGeom>
+        </p:spPr>
+        <p:style>
+          <a:lnRef idx="2">
+            <a:schemeClr val="accent1">
+              <a:shade val="50000"/>
+            </a:schemeClr>
+          </a:lnRef>
+          <a:fillRef idx="1">
+            <a:schemeClr val="accent1"/>
+          </a:fillRef>
+          <a:effectRef idx="0">
+            <a:schemeClr val="accent1"/>
+          </a:effectRef>
+          <a:fontRef idx="minor">
+            <a:schemeClr val="lt1"/>
+          </a:fontRef>
+        </p:style>
+        <p:txBody>
+          <a:bodyPr rtlCol="0" anchor="ctr"/>
+          <a:lstStyle/>
+          <a:p>
+            <a:pPr algn="ctr"/>
+            <a:r>
+              <a:rPr lang="ko-KR" altLang="en-US" dirty="0" smtClean="0"/>
+              <a:t>이름</a:t>
+            </a:r>
+            <a:endParaRPr lang="ko-KR" altLang="en-US" dirty="0"/>
+          </a:p>
+        </p:txBody>
+      </p:sp>
+      <p:sp>
+        <p:nvSpPr>
+          <p:cNvPr id="16" name="직사각형 15"/>
+          <p:cNvSpPr/>
+          <p:nvPr/>
+        </p:nvSpPr>
+        <p:spPr>
+          <a:xfrm>
+            <a:off x="2614359" y="2375409"/>
+            <a:ext cx="2159019" cy="477527"/>
+          </a:xfrm>
+          <a:prstGeom prst="rect">
+            <a:avLst/>
+          </a:prstGeom>
+        </p:spPr>
+        <p:style>
+          <a:lnRef idx="2">
+            <a:schemeClr val="accent1">
+              <a:shade val="50000"/>
+            </a:schemeClr>
+          </a:lnRef>
+          <a:fillRef idx="1">
+            <a:schemeClr val="accent1"/>
+          </a:fillRef>
+          <a:effectRef idx="0">
+            <a:schemeClr val="accent1"/>
+          </a:effectRef>
+          <a:fontRef idx="minor">
+            <a:schemeClr val="lt1"/>
+          </a:fontRef>
+        </p:style>
+        <p:txBody>
+          <a:bodyPr rtlCol="0" anchor="ctr"/>
+          <a:lstStyle/>
+          <a:p>
+            <a:pPr algn="ctr"/>
+            <a:r>
+              <a:rPr lang="ko-KR" altLang="en-US" dirty="0" err="1" smtClean="0"/>
+              <a:t>렙</a:t>
+            </a:r>
+            <a:r>
+              <a:rPr lang="en-US" altLang="ko-KR" dirty="0" smtClean="0"/>
+              <a:t>/</a:t>
+            </a:r>
+            <a:r>
+              <a:rPr lang="ko-KR" altLang="en-US" dirty="0" err="1" smtClean="0"/>
+              <a:t>케릭</a:t>
+            </a:r>
+            <a:endParaRPr lang="ko-KR" altLang="en-US" dirty="0"/>
+          </a:p>
+        </p:txBody>
+      </p:sp>
+      <p:sp>
+        <p:nvSpPr>
+          <p:cNvPr id="17" name="직사각형 16"/>
+          <p:cNvSpPr/>
+          <p:nvPr/>
+        </p:nvSpPr>
+        <p:spPr>
+          <a:xfrm>
+            <a:off x="4932040" y="1844824"/>
+            <a:ext cx="4032448" cy="2376264"/>
+          </a:xfrm>
+          <a:prstGeom prst="rect">
+            <a:avLst/>
+          </a:prstGeom>
+        </p:spPr>
+        <p:style>
+          <a:lnRef idx="2">
+            <a:schemeClr val="accent1">
+              <a:shade val="50000"/>
+            </a:schemeClr>
+          </a:lnRef>
+          <a:fillRef idx="1">
+            <a:schemeClr val="accent1"/>
+          </a:fillRef>
+          <a:effectRef idx="0">
+            <a:schemeClr val="accent1"/>
+          </a:effectRef>
+          <a:fontRef idx="minor">
+            <a:schemeClr val="lt1"/>
+          </a:fontRef>
+        </p:style>
+        <p:txBody>
+          <a:bodyPr rtlCol="0" anchor="ctr"/>
+          <a:lstStyle/>
+          <a:p>
+            <a:pPr algn="ctr"/>
+            <a:r>
+              <a:rPr lang="ko-KR" altLang="en-US" dirty="0" err="1" smtClean="0"/>
+              <a:t>던전</a:t>
+            </a:r>
+            <a:r>
+              <a:rPr lang="ko-KR" altLang="en-US" dirty="0" smtClean="0"/>
+              <a:t> 형식</a:t>
+            </a:r>
+            <a:r>
+              <a:rPr lang="en-US" altLang="ko-KR" dirty="0" smtClean="0"/>
+              <a:t>/</a:t>
+            </a:r>
+            <a:r>
+              <a:rPr lang="ko-KR" altLang="en-US" dirty="0" smtClean="0"/>
+              <a:t>이미지</a:t>
+            </a:r>
+            <a:r>
+              <a:rPr lang="en-US" altLang="ko-KR" dirty="0" smtClean="0"/>
+              <a:t>(</a:t>
+            </a:r>
+            <a:r>
+              <a:rPr lang="ko-KR" altLang="en-US" dirty="0" smtClean="0"/>
+              <a:t>테스트 </a:t>
+            </a:r>
+            <a:r>
+              <a:rPr lang="ko-KR" altLang="en-US" dirty="0" err="1" smtClean="0"/>
+              <a:t>스샷</a:t>
+            </a:r>
+            <a:r>
+              <a:rPr lang="en-US" altLang="ko-KR" dirty="0" smtClean="0"/>
+              <a:t>)</a:t>
+            </a:r>
+            <a:endParaRPr lang="ko-KR" altLang="en-US" dirty="0"/>
+          </a:p>
+        </p:txBody>
+      </p:sp>
+      <p:sp>
+        <p:nvSpPr>
+          <p:cNvPr id="21" name="직사각형 20"/>
+          <p:cNvSpPr/>
+          <p:nvPr/>
+        </p:nvSpPr>
+        <p:spPr>
+          <a:xfrm>
+            <a:off x="7259650" y="5301208"/>
+            <a:ext cx="1728192" cy="1368152"/>
+          </a:xfrm>
+          <a:prstGeom prst="rect">
+            <a:avLst/>
+          </a:prstGeom>
+        </p:spPr>
+        <p:style>
+          <a:lnRef idx="2">
+            <a:schemeClr val="accent1">
+              <a:shade val="50000"/>
+            </a:schemeClr>
+          </a:lnRef>
+          <a:fillRef idx="1">
+            <a:schemeClr val="accent1"/>
+          </a:fillRef>
+          <a:effectRef idx="0">
+            <a:schemeClr val="accent1"/>
+          </a:effectRef>
+          <a:fontRef idx="minor">
+            <a:schemeClr val="lt1"/>
+          </a:fontRef>
+        </p:style>
+        <p:txBody>
+          <a:bodyPr rtlCol="0" anchor="ctr"/>
+          <a:lstStyle/>
+          <a:p>
+            <a:pPr algn="ctr"/>
+            <a:r>
+              <a:rPr lang="ko-KR" altLang="en-US" smtClean="0"/>
+              <a:t>시작종료</a:t>
+            </a:r>
+            <a:endParaRPr lang="ko-KR" altLang="en-US"/>
+          </a:p>
+        </p:txBody>
+      </p:sp>
+      <p:sp>
+        <p:nvSpPr>
+          <p:cNvPr id="22" name="직사각형 21"/>
+          <p:cNvSpPr/>
+          <p:nvPr/>
+        </p:nvSpPr>
+        <p:spPr>
+          <a:xfrm>
+            <a:off x="4904652" y="4405754"/>
+            <a:ext cx="4032448" cy="638780"/>
+          </a:xfrm>
+          <a:prstGeom prst="rect">
+            <a:avLst/>
+          </a:prstGeom>
+        </p:spPr>
+        <p:style>
+          <a:lnRef idx="2">
+            <a:schemeClr val="accent1">
+              <a:shade val="50000"/>
+            </a:schemeClr>
+          </a:lnRef>
+          <a:fillRef idx="1">
+            <a:schemeClr val="accent1"/>
+          </a:fillRef>
+          <a:effectRef idx="0">
+            <a:schemeClr val="accent1"/>
+          </a:effectRef>
+          <a:fontRef idx="minor">
+            <a:schemeClr val="lt1"/>
+          </a:fontRef>
+        </p:style>
+        <p:txBody>
+          <a:bodyPr rtlCol="0" anchor="ctr"/>
+          <a:lstStyle/>
+          <a:p>
+            <a:pPr algn="ctr"/>
+            <a:r>
+              <a:rPr lang="en-US" altLang="ko-KR" dirty="0" smtClean="0"/>
+              <a:t>4</a:t>
+            </a:r>
+            <a:r>
+              <a:rPr lang="ko-KR" altLang="en-US" dirty="0" err="1" smtClean="0"/>
+              <a:t>인파티</a:t>
+            </a:r>
+            <a:r>
+              <a:rPr lang="en-US" altLang="ko-KR" dirty="0" smtClean="0"/>
+              <a:t>/</a:t>
+            </a:r>
+            <a:r>
+              <a:rPr lang="ko-KR" altLang="en-US" dirty="0" smtClean="0"/>
+              <a:t>레벨제한</a:t>
+            </a:r>
+            <a:endParaRPr lang="ko-KR" altLang="en-US" dirty="0"/>
+          </a:p>
+        </p:txBody>
+      </p:sp>
+      <p:sp>
+        <p:nvSpPr>
+          <p:cNvPr id="26" name="직사각형 25"/>
+          <p:cNvSpPr/>
+          <p:nvPr/>
+        </p:nvSpPr>
+        <p:spPr>
+          <a:xfrm>
+            <a:off x="4932040" y="1048946"/>
+            <a:ext cx="648072" cy="507846"/>
+          </a:xfrm>
+          <a:prstGeom prst="rect">
+            <a:avLst/>
+          </a:prstGeom>
+        </p:spPr>
+        <p:style>
+          <a:lnRef idx="2">
+            <a:schemeClr val="accent1">
+              <a:shade val="50000"/>
+            </a:schemeClr>
+          </a:lnRef>
+          <a:fillRef idx="1">
+            <a:schemeClr val="accent1"/>
+          </a:fillRef>
+          <a:effectRef idx="0">
+            <a:schemeClr val="accent1"/>
+          </a:effectRef>
+          <a:fontRef idx="minor">
+            <a:schemeClr val="lt1"/>
+          </a:fontRef>
+        </p:style>
+        <p:txBody>
+          <a:bodyPr rtlCol="0" anchor="ctr"/>
+          <a:lstStyle/>
+          <a:p>
+            <a:pPr algn="ctr"/>
+            <a:r>
+              <a:rPr lang="ko-KR" altLang="en-US" smtClean="0"/>
+              <a:t>정보</a:t>
+            </a:r>
+            <a:endParaRPr lang="ko-KR" altLang="en-US" dirty="0"/>
+          </a:p>
+        </p:txBody>
+      </p:sp>
+      <p:sp>
+        <p:nvSpPr>
+          <p:cNvPr id="27" name="TextBox 26"/>
+          <p:cNvSpPr txBox="1"/>
+          <p:nvPr/>
+        </p:nvSpPr>
+        <p:spPr>
+          <a:xfrm>
+            <a:off x="5004048" y="2348880"/>
+            <a:ext cx="2448272" cy="369332"/>
+          </a:xfrm>
+          <a:prstGeom prst="rect">
+            <a:avLst/>
+          </a:prstGeom>
+          <a:noFill/>
+        </p:spPr>
+        <p:txBody>
+          <a:bodyPr wrap="square" rtlCol="0">
+            <a:spAutoFit/>
+          </a:bodyPr>
+          <a:lstStyle/>
+          <a:p>
+            <a:r>
+              <a:rPr lang="ko-KR" altLang="en-US" dirty="0" err="1" smtClean="0">
+                <a:solidFill>
+                  <a:schemeClr val="bg1"/>
+                </a:solidFill>
+              </a:rPr>
+              <a:t>던전이름</a:t>
+            </a:r>
+            <a:endParaRPr lang="ko-KR" altLang="en-US" dirty="0">
+              <a:solidFill>
+                <a:schemeClr val="bg1"/>
+              </a:solidFill>
+            </a:endParaRPr>
+          </a:p>
+        </p:txBody>
+      </p:sp>
+      <p:sp>
+        <p:nvSpPr>
+          <p:cNvPr id="28" name="직사각형 27"/>
+          <p:cNvSpPr/>
+          <p:nvPr/>
+        </p:nvSpPr>
+        <p:spPr>
+          <a:xfrm>
+            <a:off x="4932040" y="4221088"/>
+            <a:ext cx="4055802" cy="184666"/>
+          </a:xfrm>
+          <a:prstGeom prst="rect">
+            <a:avLst/>
+          </a:prstGeom>
+        </p:spPr>
+        <p:style>
+          <a:lnRef idx="2">
+            <a:schemeClr val="accent1">
+              <a:shade val="50000"/>
+            </a:schemeClr>
+          </a:lnRef>
+          <a:fillRef idx="1">
+            <a:schemeClr val="accent1"/>
+          </a:fillRef>
+          <a:effectRef idx="0">
+            <a:schemeClr val="accent1"/>
+          </a:effectRef>
+          <a:fontRef idx="minor">
+            <a:schemeClr val="lt1"/>
+          </a:fontRef>
+        </p:style>
+        <p:txBody>
+          <a:bodyPr rtlCol="0" anchor="ctr"/>
+          <a:lstStyle/>
+          <a:p>
+            <a:pPr algn="ctr"/>
+            <a:r>
+              <a:rPr lang="en-US" altLang="ko-KR" dirty="0" smtClean="0"/>
+              <a:t>&lt;N</a:t>
+            </a:r>
+            <a:r>
+              <a:rPr lang="ko-KR" altLang="en-US" dirty="0" smtClean="0"/>
+              <a:t>성</a:t>
+            </a:r>
+            <a:r>
+              <a:rPr lang="en-US" altLang="ko-KR" dirty="0" smtClean="0"/>
+              <a:t>&gt;</a:t>
+            </a:r>
+            <a:endParaRPr lang="ko-KR" altLang="en-US" dirty="0"/>
+          </a:p>
+        </p:txBody>
+      </p:sp>
+      <p:sp>
+        <p:nvSpPr>
+          <p:cNvPr id="29" name="직사각형 28"/>
+          <p:cNvSpPr/>
+          <p:nvPr/>
+        </p:nvSpPr>
+        <p:spPr>
+          <a:xfrm>
+            <a:off x="5796136" y="1052736"/>
+            <a:ext cx="648072" cy="507846"/>
+          </a:xfrm>
+          <a:prstGeom prst="rect">
+            <a:avLst/>
+          </a:prstGeom>
+        </p:spPr>
+        <p:style>
+          <a:lnRef idx="2">
+            <a:schemeClr val="accent1">
+              <a:shade val="50000"/>
+            </a:schemeClr>
+          </a:lnRef>
+          <a:fillRef idx="1">
+            <a:schemeClr val="accent1"/>
+          </a:fillRef>
+          <a:effectRef idx="0">
+            <a:schemeClr val="accent1"/>
+          </a:effectRef>
+          <a:fontRef idx="minor">
+            <a:schemeClr val="lt1"/>
+          </a:fontRef>
+        </p:style>
+        <p:txBody>
+          <a:bodyPr rtlCol="0" anchor="ctr"/>
+          <a:lstStyle/>
+          <a:p>
+            <a:pPr algn="ctr"/>
+            <a:r>
+              <a:rPr lang="ko-KR" altLang="en-US" dirty="0" smtClean="0"/>
+              <a:t>스</a:t>
+            </a:r>
+            <a:r>
+              <a:rPr lang="ko-KR" altLang="en-US" dirty="0"/>
+              <a:t>킬</a:t>
+            </a:r>
+          </a:p>
+        </p:txBody>
+      </p:sp>
+      <p:sp>
+        <p:nvSpPr>
+          <p:cNvPr id="30" name="직사각형 29"/>
+          <p:cNvSpPr/>
+          <p:nvPr/>
+        </p:nvSpPr>
+        <p:spPr>
+          <a:xfrm>
+            <a:off x="6516216" y="1052736"/>
+            <a:ext cx="648072" cy="507846"/>
+          </a:xfrm>
+          <a:prstGeom prst="rect">
+            <a:avLst/>
+          </a:prstGeom>
+        </p:spPr>
+        <p:style>
+          <a:lnRef idx="2">
+            <a:schemeClr val="accent1">
+              <a:shade val="50000"/>
+            </a:schemeClr>
+          </a:lnRef>
+          <a:fillRef idx="1">
+            <a:schemeClr val="accent1"/>
+          </a:fillRef>
+          <a:effectRef idx="0">
+            <a:schemeClr val="accent1"/>
+          </a:effectRef>
+          <a:fontRef idx="minor">
+            <a:schemeClr val="lt1"/>
+          </a:fontRef>
+        </p:style>
+        <p:txBody>
+          <a:bodyPr rtlCol="0" anchor="ctr"/>
+          <a:lstStyle/>
+          <a:p>
+            <a:pPr algn="ctr"/>
+            <a:r>
+              <a:rPr lang="ko-KR" altLang="en-US" dirty="0" smtClean="0"/>
+              <a:t>장비</a:t>
+            </a:r>
+            <a:endParaRPr lang="ko-KR" altLang="en-US" dirty="0"/>
+          </a:p>
+        </p:txBody>
+      </p:sp>
+      <p:sp>
+        <p:nvSpPr>
+          <p:cNvPr id="31" name="직사각형 30"/>
+          <p:cNvSpPr/>
+          <p:nvPr/>
+        </p:nvSpPr>
+        <p:spPr>
+          <a:xfrm>
+            <a:off x="7236296" y="1052736"/>
+            <a:ext cx="648072" cy="507846"/>
+          </a:xfrm>
+          <a:prstGeom prst="rect">
+            <a:avLst/>
+          </a:prstGeom>
+        </p:spPr>
+        <p:style>
+          <a:lnRef idx="2">
+            <a:schemeClr val="accent1">
+              <a:shade val="50000"/>
+            </a:schemeClr>
+          </a:lnRef>
+          <a:fillRef idx="1">
+            <a:schemeClr val="accent1"/>
+          </a:fillRef>
+          <a:effectRef idx="0">
+            <a:schemeClr val="accent1"/>
+          </a:effectRef>
+          <a:fontRef idx="minor">
+            <a:schemeClr val="lt1"/>
+          </a:fontRef>
+        </p:style>
+        <p:txBody>
+          <a:bodyPr rtlCol="0" anchor="ctr"/>
+          <a:lstStyle/>
+          <a:p>
+            <a:pPr algn="ctr"/>
+            <a:r>
+              <a:rPr lang="ko-KR" altLang="en-US" dirty="0" smtClean="0"/>
+              <a:t>도움</a:t>
+            </a:r>
+            <a:endParaRPr lang="ko-KR" altLang="en-US" dirty="0"/>
+          </a:p>
+        </p:txBody>
+      </p:sp>
+      <p:sp>
+        <p:nvSpPr>
+          <p:cNvPr id="32" name="직사각형 31"/>
+          <p:cNvSpPr/>
+          <p:nvPr/>
+        </p:nvSpPr>
+        <p:spPr>
+          <a:xfrm>
+            <a:off x="8028384" y="1052736"/>
+            <a:ext cx="648072" cy="507846"/>
+          </a:xfrm>
+          <a:prstGeom prst="rect">
+            <a:avLst/>
+          </a:prstGeom>
+        </p:spPr>
+        <p:style>
+          <a:lnRef idx="2">
+            <a:schemeClr val="accent1">
+              <a:shade val="50000"/>
+            </a:schemeClr>
+          </a:lnRef>
+          <a:fillRef idx="1">
+            <a:schemeClr val="accent1"/>
+          </a:fillRef>
+          <a:effectRef idx="0">
+            <a:schemeClr val="accent1"/>
+          </a:effectRef>
+          <a:fontRef idx="minor">
+            <a:schemeClr val="lt1"/>
+          </a:fontRef>
+        </p:style>
+        <p:txBody>
+          <a:bodyPr rtlCol="0" anchor="ctr"/>
+          <a:lstStyle/>
+          <a:p>
+            <a:pPr algn="ctr"/>
+            <a:r>
+              <a:rPr lang="ko-KR" altLang="en-US" dirty="0" smtClean="0"/>
+              <a:t>설정</a:t>
+            </a:r>
+            <a:endParaRPr lang="ko-KR" altLang="en-US" dirty="0"/>
+          </a:p>
+        </p:txBody>
+      </p:sp>
+      <p:sp>
+        <p:nvSpPr>
+          <p:cNvPr id="33" name="직사각형 32"/>
+          <p:cNvSpPr/>
+          <p:nvPr/>
+        </p:nvSpPr>
+        <p:spPr>
+          <a:xfrm>
+            <a:off x="323528" y="3203508"/>
+            <a:ext cx="4443392" cy="441516"/>
+          </a:xfrm>
+          <a:prstGeom prst="rect">
+            <a:avLst/>
+          </a:prstGeom>
+        </p:spPr>
+        <p:style>
+          <a:lnRef idx="2">
+            <a:schemeClr val="accent1">
+              <a:shade val="50000"/>
+            </a:schemeClr>
+          </a:lnRef>
+          <a:fillRef idx="1">
+            <a:schemeClr val="accent1"/>
+          </a:fillRef>
+          <a:effectRef idx="0">
+            <a:schemeClr val="accent1"/>
+          </a:effectRef>
+          <a:fontRef idx="minor">
+            <a:schemeClr val="lt1"/>
+          </a:fontRef>
+        </p:style>
+        <p:txBody>
+          <a:bodyPr rtlCol="0" anchor="ctr"/>
+          <a:lstStyle/>
+          <a:p>
+            <a:pPr algn="ctr"/>
+            <a:r>
+              <a:rPr lang="ko-KR" altLang="en-US" dirty="0" err="1" smtClean="0"/>
+              <a:t>레이드</a:t>
+            </a:r>
+            <a:r>
+              <a:rPr lang="ko-KR" altLang="en-US" dirty="0" smtClean="0"/>
+              <a:t> 파티</a:t>
+            </a:r>
+            <a:endParaRPr lang="ko-KR" altLang="en-US" dirty="0"/>
+          </a:p>
+        </p:txBody>
+      </p:sp>
+      <p:sp>
+        <p:nvSpPr>
+          <p:cNvPr id="34" name="직사각형 33"/>
+          <p:cNvSpPr/>
+          <p:nvPr/>
+        </p:nvSpPr>
+        <p:spPr>
+          <a:xfrm>
+            <a:off x="323528" y="3861048"/>
+            <a:ext cx="2239215" cy="477527"/>
+          </a:xfrm>
+          <a:prstGeom prst="rect">
+            <a:avLst/>
+          </a:prstGeom>
+        </p:spPr>
+        <p:style>
+          <a:lnRef idx="2">
+            <a:schemeClr val="accent1">
+              <a:shade val="50000"/>
+            </a:schemeClr>
+          </a:lnRef>
+          <a:fillRef idx="1">
+            <a:schemeClr val="accent1"/>
+          </a:fillRef>
+          <a:effectRef idx="0">
+            <a:schemeClr val="accent1"/>
+          </a:effectRef>
+          <a:fontRef idx="minor">
+            <a:schemeClr val="lt1"/>
+          </a:fontRef>
+        </p:style>
+        <p:txBody>
+          <a:bodyPr rtlCol="0" anchor="ctr"/>
+          <a:lstStyle/>
+          <a:p>
+            <a:pPr algn="ctr"/>
+            <a:r>
+              <a:rPr lang="ko-KR" altLang="en-US" sz="1500" dirty="0" smtClean="0"/>
+              <a:t>이름</a:t>
+            </a:r>
+            <a:r>
+              <a:rPr lang="en-US" altLang="ko-KR" sz="1500" dirty="0" smtClean="0"/>
+              <a:t>(</a:t>
+            </a:r>
+            <a:r>
+              <a:rPr lang="ko-KR" altLang="en-US" sz="1500" dirty="0" err="1" smtClean="0"/>
+              <a:t>클릭시</a:t>
+            </a:r>
+            <a:r>
+              <a:rPr lang="ko-KR" altLang="en-US" sz="1500" dirty="0" smtClean="0"/>
+              <a:t> 정보보기</a:t>
+            </a:r>
+            <a:r>
+              <a:rPr lang="en-US" altLang="ko-KR" dirty="0" smtClean="0"/>
+              <a:t>)</a:t>
+            </a:r>
+            <a:endParaRPr lang="ko-KR" altLang="en-US" dirty="0"/>
+          </a:p>
+        </p:txBody>
+      </p:sp>
+      <p:sp>
+        <p:nvSpPr>
+          <p:cNvPr id="35" name="직사각형 34"/>
+          <p:cNvSpPr/>
+          <p:nvPr/>
+        </p:nvSpPr>
+        <p:spPr>
+          <a:xfrm>
+            <a:off x="2600578" y="3861048"/>
+            <a:ext cx="2166342" cy="477527"/>
+          </a:xfrm>
+          <a:prstGeom prst="rect">
+            <a:avLst/>
+          </a:prstGeom>
+        </p:spPr>
+        <p:style>
+          <a:lnRef idx="2">
+            <a:schemeClr val="accent1">
+              <a:shade val="50000"/>
+            </a:schemeClr>
+          </a:lnRef>
+          <a:fillRef idx="1">
+            <a:schemeClr val="accent1"/>
+          </a:fillRef>
+          <a:effectRef idx="0">
+            <a:schemeClr val="accent1"/>
+          </a:effectRef>
+          <a:fontRef idx="minor">
+            <a:schemeClr val="lt1"/>
+          </a:fontRef>
+        </p:style>
+        <p:txBody>
+          <a:bodyPr rtlCol="0" anchor="ctr"/>
+          <a:lstStyle/>
+          <a:p>
+            <a:pPr algn="ctr"/>
+            <a:r>
+              <a:rPr lang="ko-KR" altLang="en-US" dirty="0" err="1" smtClean="0"/>
+              <a:t>렙</a:t>
+            </a:r>
+            <a:r>
+              <a:rPr lang="en-US" altLang="ko-KR" dirty="0" smtClean="0"/>
+              <a:t>/</a:t>
+            </a:r>
+            <a:r>
+              <a:rPr lang="ko-KR" altLang="en-US" dirty="0" err="1" smtClean="0"/>
+              <a:t>케릭</a:t>
+            </a:r>
+            <a:endParaRPr lang="ko-KR" altLang="en-US" dirty="0"/>
+          </a:p>
+        </p:txBody>
+      </p:sp>
+      <p:sp>
+        <p:nvSpPr>
+          <p:cNvPr id="36" name="직사각형 35"/>
+          <p:cNvSpPr/>
+          <p:nvPr/>
+        </p:nvSpPr>
+        <p:spPr>
+          <a:xfrm>
+            <a:off x="323529" y="4535649"/>
+            <a:ext cx="2246538" cy="477527"/>
+          </a:xfrm>
+          <a:prstGeom prst="rect">
+            <a:avLst/>
+          </a:prstGeom>
+        </p:spPr>
+        <p:style>
+          <a:lnRef idx="2">
+            <a:schemeClr val="accent1">
+              <a:shade val="50000"/>
+            </a:schemeClr>
+          </a:lnRef>
+          <a:fillRef idx="1">
+            <a:schemeClr val="accent1"/>
+          </a:fillRef>
+          <a:effectRef idx="0">
+            <a:schemeClr val="accent1"/>
+          </a:effectRef>
+          <a:fontRef idx="minor">
+            <a:schemeClr val="lt1"/>
+          </a:fontRef>
+        </p:style>
+        <p:txBody>
+          <a:bodyPr rtlCol="0" anchor="ctr"/>
+          <a:lstStyle/>
+          <a:p>
+            <a:pPr algn="ctr"/>
+            <a:r>
+              <a:rPr lang="ko-KR" altLang="en-US" dirty="0" smtClean="0"/>
+              <a:t>이름</a:t>
+            </a:r>
+            <a:endParaRPr lang="ko-KR" altLang="en-US" dirty="0"/>
+          </a:p>
+        </p:txBody>
+      </p:sp>
+      <p:sp>
+        <p:nvSpPr>
+          <p:cNvPr id="37" name="직사각형 36"/>
+          <p:cNvSpPr/>
+          <p:nvPr/>
+        </p:nvSpPr>
+        <p:spPr>
+          <a:xfrm>
+            <a:off x="2607901" y="4535649"/>
+            <a:ext cx="2159019" cy="477527"/>
+          </a:xfrm>
+          <a:prstGeom prst="rect">
+            <a:avLst/>
+          </a:prstGeom>
+        </p:spPr>
+        <p:style>
+          <a:lnRef idx="2">
+            <a:schemeClr val="accent1">
+              <a:shade val="50000"/>
+            </a:schemeClr>
+          </a:lnRef>
+          <a:fillRef idx="1">
+            <a:schemeClr val="accent1"/>
+          </a:fillRef>
+          <a:effectRef idx="0">
+            <a:schemeClr val="accent1"/>
+          </a:effectRef>
+          <a:fontRef idx="minor">
+            <a:schemeClr val="lt1"/>
+          </a:fontRef>
+        </p:style>
+        <p:txBody>
+          <a:bodyPr rtlCol="0" anchor="ctr"/>
+          <a:lstStyle/>
+          <a:p>
+            <a:pPr algn="ctr"/>
+            <a:r>
+              <a:rPr lang="ko-KR" altLang="en-US" dirty="0" err="1" smtClean="0"/>
+              <a:t>렙</a:t>
+            </a:r>
+            <a:r>
+              <a:rPr lang="en-US" altLang="ko-KR" dirty="0" smtClean="0"/>
+              <a:t>/</a:t>
+            </a:r>
+            <a:r>
+              <a:rPr lang="ko-KR" altLang="en-US" dirty="0" err="1" smtClean="0"/>
+              <a:t>케릭</a:t>
+            </a:r>
+            <a:endParaRPr lang="ko-KR" altLang="en-US" dirty="0"/>
+          </a:p>
+        </p:txBody>
+      </p:sp>
+    </p:spTree>
+    <p:extLst>
+      <p:ext uri="{BB962C8B-B14F-4D97-AF65-F5344CB8AC3E}">
+        <p14:creationId xmlns:p14="http://schemas.microsoft.com/office/powerpoint/2010/main" val="1877982474"/>
+      </p:ext>
+    </p:extLst>
+  </p:cSld>
+  <p:clrMapOvr>
+    <a:masterClrMapping/>
+  </p:clrMapOvr>
+</p:sld>
+</file>
+
+<file path=ppt/slides/slide12.xml><?xml version="1.0" encoding="utf-8"?>
+<p:sld xmlns:a="http://schemas.openxmlformats.org/drawingml/2006/main" xmlns:r="http://schemas.openxmlformats.org/officeDocument/2006/relationships" xmlns:p="http://schemas.openxmlformats.org/presentationml/2006/main">
+  <p:cSld>
+    <p:spTree>
+      <p:nvGrpSpPr>
+        <p:cNvPr id="1" name=""/>
+        <p:cNvGrpSpPr/>
+        <p:nvPr/>
+      </p:nvGrpSpPr>
+      <p:grpSpPr>
+        <a:xfrm>
+          <a:off x="0" y="0"/>
+          <a:ext cx="0" cy="0"/>
+          <a:chOff x="0" y="0"/>
+          <a:chExt cx="0" cy="0"/>
+        </a:xfrm>
+      </p:grpSpPr>
+    </p:spTree>
+    <p:extLst>
+      <p:ext uri="{BB962C8B-B14F-4D97-AF65-F5344CB8AC3E}">
+        <p14:creationId xmlns:p14="http://schemas.microsoft.com/office/powerpoint/2010/main" val="2718113056"/>
       </p:ext>
     </p:extLst>
   </p:cSld>
@@ -3956,7 +5250,11 @@
             <a:pPr algn="ctr"/>
             <a:r>
               <a:rPr lang="ko-KR" altLang="en-US" dirty="0" smtClean="0"/>
-              <a:t>방 생성</a:t>
+              <a:t>방 </a:t>
+            </a:r>
+            <a:r>
+              <a:rPr lang="ko-KR" altLang="en-US" dirty="0" smtClean="0"/>
+              <a:t>생성</a:t>
             </a:r>
             <a:endParaRPr lang="ko-KR" altLang="en-US" dirty="0"/>
           </a:p>
@@ -6408,19 +7706,7 @@
                           <a:ea typeface="+mn-ea"/>
                           <a:cs typeface="+mn-cs"/>
                         </a:rPr>
-                        <a:t>서버에 자신의 방 </a:t>
-                      </a:r>
-                      <a:r>
-                        <a:rPr lang="ko-KR" altLang="en-US" sz="900" kern="1200" dirty="0" smtClean="0">
-                          <a:solidFill>
-                            <a:schemeClr val="dk1"/>
-                          </a:solidFill>
-                          <a:effectLst/>
-                          <a:latin typeface="+mn-lt"/>
-                          <a:ea typeface="+mn-ea"/>
-                          <a:cs typeface="+mn-cs"/>
-                        </a:rPr>
-                        <a:t>제목을 건네준다</a:t>
+                        <a:t>서버에 자신의 방 제목을 건네준다</a:t>
                       </a:r>
                       <a:r>
                         <a:rPr lang="en-US" altLang="ko-KR" sz="900" kern="1200" dirty="0" smtClean="0">
@@ -7454,14 +8740,6 @@
           <a:lstStyle/>
           <a:p>
             <a:pPr algn="ctr"/>
-            <a:r>
-              <a:rPr lang="ko-KR" altLang="en-US" dirty="0" smtClean="0">
-                <a:solidFill>
-                  <a:schemeClr val="tx1"/>
-                </a:solidFill>
-              </a:rPr>
-              <a:t>방 생성</a:t>
-            </a:r>
             <a:endParaRPr lang="ko-KR" altLang="en-US" dirty="0">
               <a:solidFill>
                 <a:schemeClr val="tx1"/>
@@ -7953,15 +9231,7 @@
                   <a:schemeClr val="tx1"/>
                 </a:solidFill>
               </a:rPr>
-              <a:t> </a:t>
-            </a:r>
-            <a:r>
-              <a:rPr lang="ko-KR" altLang="en-US" dirty="0" smtClean="0">
-                <a:solidFill>
-                  <a:schemeClr val="tx1"/>
-                </a:solidFill>
-              </a:rPr>
-              <a:t>생성</a:t>
+              <a:t> 생성</a:t>
             </a:r>
             <a:r>
               <a:rPr lang="en-US" altLang="ko-KR" dirty="0" smtClean="0">
@@ -7980,15 +9250,7 @@
                   <a:schemeClr val="tx1"/>
                 </a:solidFill>
               </a:rPr>
-              <a:t>다른 </a:t>
-            </a:r>
-            <a:r>
-              <a:rPr lang="ko-KR" altLang="en-US" dirty="0" smtClean="0">
-                <a:solidFill>
-                  <a:schemeClr val="tx1"/>
-                </a:solidFill>
-              </a:rPr>
-              <a:t>유저에게 생성 </a:t>
+              <a:t>다른 유저에게 생성 </a:t>
             </a:r>
             <a:r>
               <a:rPr lang="ko-KR" altLang="en-US" dirty="0" err="1" smtClean="0">
@@ -8004,15 +9266,7 @@
                   <a:schemeClr val="tx1"/>
                 </a:solidFill>
               </a:rPr>
-              <a:t> </a:t>
-            </a:r>
-            <a:r>
-              <a:rPr lang="ko-KR" altLang="en-US" dirty="0" smtClean="0">
-                <a:solidFill>
-                  <a:schemeClr val="tx1"/>
-                </a:solidFill>
-              </a:rPr>
-              <a:t>전달</a:t>
+              <a:t> 전달</a:t>
             </a:r>
             <a:endParaRPr lang="ko-KR" altLang="en-US" dirty="0">
               <a:solidFill>
@@ -8204,21 +9458,8 @@
                   <a:schemeClr val="tx1"/>
                 </a:solidFill>
               </a:rPr>
-              <a:t>보스 </a:t>
-            </a:r>
-            <a:r>
-              <a:rPr lang="ko-KR" altLang="en-US" dirty="0" smtClean="0">
-                <a:solidFill>
-                  <a:schemeClr val="tx1"/>
-                </a:solidFill>
-              </a:rPr>
-              <a:t>룸</a:t>
-            </a:r>
-            <a:endParaRPr lang="ko-KR" altLang="en-US" dirty="0" smtClean="0">
-              <a:solidFill>
-                <a:schemeClr val="tx1"/>
-              </a:solidFill>
-            </a:endParaRPr>
+              <a:t>보스 룸</a:t>
+            </a:r>
           </a:p>
         </p:txBody>
       </p:sp>
@@ -8265,15 +9506,7 @@
                   <a:schemeClr val="tx1"/>
                 </a:solidFill>
               </a:rPr>
-              <a:t>디펜스 </a:t>
-            </a:r>
-            <a:r>
-              <a:rPr lang="ko-KR" altLang="en-US" dirty="0" smtClean="0">
-                <a:solidFill>
-                  <a:schemeClr val="tx1"/>
-                </a:solidFill>
-              </a:rPr>
-              <a:t>룸</a:t>
+              <a:t>디펜스 룸</a:t>
             </a:r>
             <a:endParaRPr lang="ko-KR" altLang="en-US" dirty="0">
               <a:solidFill>
@@ -8671,6 +9904,13 @@
   <p:clrMapOvr>
     <a:masterClrMapping/>
   </p:clrMapOvr>
+  <p:timing>
+    <p:tnLst>
+      <p:par>
+        <p:cTn id="1" dur="indefinite" restart="never" nodeType="tmRoot"/>
+      </p:par>
+    </p:tnLst>
+  </p:timing>
 </p:sld>
 </file>
 
@@ -8743,11 +9983,7 @@
             </a:r>
             <a:r>
               <a:rPr lang="ko-KR" altLang="en-US" sz="2000" dirty="0" smtClean="0"/>
-              <a:t>다른 </a:t>
-            </a:r>
-            <a:r>
-              <a:rPr lang="ko-KR" altLang="en-US" sz="2000" dirty="0" smtClean="0"/>
-              <a:t>클라이언트에게 생성 </a:t>
+              <a:t>다른 클라이언트에게 생성 </a:t>
             </a:r>
             <a:r>
               <a:rPr lang="ko-KR" altLang="en-US" sz="2000" dirty="0" err="1" smtClean="0"/>
@@ -8755,11 +9991,7 @@
             </a:r>
             <a:r>
               <a:rPr lang="ko-KR" altLang="en-US" sz="2000" dirty="0" smtClean="0"/>
-              <a:t> </a:t>
-            </a:r>
-            <a:r>
-              <a:rPr lang="ko-KR" altLang="en-US" sz="2000" dirty="0" smtClean="0"/>
-              <a:t>전달</a:t>
+              <a:t> 전달</a:t>
             </a:r>
             <a:endParaRPr lang="en-US" altLang="ko-KR" sz="2000" dirty="0" smtClean="0"/>
           </a:p>
@@ -8904,6 +10136,13 @@
   <p:clrMapOvr>
     <a:masterClrMapping/>
   </p:clrMapOvr>
+  <p:timing>
+    <p:tnLst>
+      <p:par>
+        <p:cTn id="1" dur="indefinite" restart="never" nodeType="tmRoot"/>
+      </p:par>
+    </p:tnLst>
+  </p:timing>
 </p:sld>
 </file>
 
@@ -8972,11 +10211,7 @@
             </a:r>
             <a:r>
               <a:rPr lang="ko-KR" altLang="en-US" sz="2400" dirty="0" smtClean="0"/>
-              <a:t>디펜스 파티의 호스트를 </a:t>
-            </a:r>
-            <a:r>
-              <a:rPr lang="ko-KR" altLang="en-US" sz="2400" dirty="0" smtClean="0"/>
-              <a:t>담당</a:t>
+              <a:t>디펜스 파티의 호스트를 담당</a:t>
             </a:r>
             <a:endParaRPr lang="en-US" altLang="ko-KR" sz="2400" dirty="0" smtClean="0"/>
           </a:p>
@@ -9042,11 +10277,7 @@
             </a:r>
             <a:r>
               <a:rPr lang="ko-KR" altLang="en-US" sz="2400" dirty="0" smtClean="0"/>
-              <a:t> </a:t>
-            </a:r>
-            <a:r>
-              <a:rPr lang="ko-KR" altLang="en-US" sz="2400" dirty="0" smtClean="0"/>
-              <a:t>전달</a:t>
+              <a:t> 전달</a:t>
             </a:r>
             <a:endParaRPr lang="ko-KR" altLang="en-US" dirty="0"/>
           </a:p>
@@ -9062,6 +10293,13 @@
   <p:clrMapOvr>
     <a:masterClrMapping/>
   </p:clrMapOvr>
+  <p:timing>
+    <p:tnLst>
+      <p:par>
+        <p:cTn id="1" dur="indefinite" restart="never" nodeType="tmRoot"/>
+      </p:par>
+    </p:tnLst>
+  </p:timing>
 </p:sld>
 </file>
 
